--- a/assets/approach.pptx
+++ b/assets/approach.pptx
@@ -107,6 +107,11 @@
       </a:defRPr>
     </a:lvl9pPr>
   </p:defaultTextStyle>
+  <p:extLst>
+    <p:ext uri="{EFAFB233-063F-42B5-8137-9DF3F51BA10A}">
+      <p15:sldGuideLst xmlns:p15="http://schemas.microsoft.com/office/powerpoint/2012/main"/>
+    </p:ext>
+  </p:extLst>
 </p:presentation>
 </file>
 
@@ -3612,6 +3617,58 @@
           <a:chExt cx="0" cy="0"/>
         </a:xfrm>
       </p:grpSpPr>
+      <p:sp>
+        <p:nvSpPr>
+          <p:cNvPr id="2" name="正方形/長方形 1">
+            <a:extLst>
+              <a:ext uri="{FF2B5EF4-FFF2-40B4-BE49-F238E27FC236}">
+                <a16:creationId xmlns:a16="http://schemas.microsoft.com/office/drawing/2014/main" id="{4DE9282F-05CF-F8D0-0FC2-DAB31A2D69FB}"/>
+              </a:ext>
+            </a:extLst>
+          </p:cNvPr>
+          <p:cNvSpPr/>
+          <p:nvPr/>
+        </p:nvSpPr>
+        <p:spPr>
+          <a:xfrm>
+            <a:off x="0" y="0"/>
+            <a:ext cx="12192000" cy="6509982"/>
+          </a:xfrm>
+          <a:prstGeom prst="rect">
+            <a:avLst/>
+          </a:prstGeom>
+          <a:solidFill>
+            <a:schemeClr val="bg1"/>
+          </a:solidFill>
+          <a:ln>
+            <a:noFill/>
+          </a:ln>
+        </p:spPr>
+        <p:style>
+          <a:lnRef idx="2">
+            <a:schemeClr val="accent1">
+              <a:shade val="15000"/>
+            </a:schemeClr>
+          </a:lnRef>
+          <a:fillRef idx="1">
+            <a:schemeClr val="accent1"/>
+          </a:fillRef>
+          <a:effectRef idx="0">
+            <a:schemeClr val="accent1"/>
+          </a:effectRef>
+          <a:fontRef idx="minor">
+            <a:schemeClr val="lt1"/>
+          </a:fontRef>
+        </p:style>
+        <p:txBody>
+          <a:bodyPr rtlCol="0" anchor="ctr"/>
+          <a:lstStyle/>
+          <a:p>
+            <a:pPr algn="ctr"/>
+            <a:endParaRPr kumimoji="1" lang="ja-JP" altLang="en-US"/>
+          </a:p>
+        </p:txBody>
+      </p:sp>
       <p:pic>
         <p:nvPicPr>
           <p:cNvPr id="7" name="グラフィックス 6" descr="ユーザー 枠線">
@@ -4902,62 +4959,6 @@
           </p:spPr>
         </p:pic>
       </p:grpSp>
-      <p:sp>
-        <p:nvSpPr>
-          <p:cNvPr id="31" name="円/楕円 30">
-            <a:extLst>
-              <a:ext uri="{FF2B5EF4-FFF2-40B4-BE49-F238E27FC236}">
-                <a16:creationId xmlns:a16="http://schemas.microsoft.com/office/drawing/2014/main" id="{FC5C7909-E30D-F825-E6F8-AB702F8CAB9A}"/>
-              </a:ext>
-            </a:extLst>
-          </p:cNvPr>
-          <p:cNvSpPr/>
-          <p:nvPr/>
-        </p:nvSpPr>
-        <p:spPr>
-          <a:xfrm>
-            <a:off x="474200" y="300978"/>
-            <a:ext cx="220840" cy="220840"/>
-          </a:xfrm>
-          <a:prstGeom prst="ellipse">
-            <a:avLst/>
-          </a:prstGeom>
-          <a:solidFill>
-            <a:srgbClr val="002060"/>
-          </a:solidFill>
-          <a:ln>
-            <a:noFill/>
-          </a:ln>
-        </p:spPr>
-        <p:style>
-          <a:lnRef idx="2">
-            <a:schemeClr val="accent1">
-              <a:shade val="15000"/>
-            </a:schemeClr>
-          </a:lnRef>
-          <a:fillRef idx="1">
-            <a:schemeClr val="accent1"/>
-          </a:fillRef>
-          <a:effectRef idx="0">
-            <a:schemeClr val="accent1"/>
-          </a:effectRef>
-          <a:fontRef idx="minor">
-            <a:schemeClr val="lt1"/>
-          </a:fontRef>
-        </p:style>
-        <p:txBody>
-          <a:bodyPr rtlCol="0" anchor="ctr"/>
-          <a:lstStyle/>
-          <a:p>
-            <a:pPr algn="ctr"/>
-            <a:r>
-              <a:rPr lang="en-US" altLang="ja-JP" sz="1200" dirty="0"/>
-              <a:t>6</a:t>
-            </a:r>
-            <a:endParaRPr kumimoji="1" lang="en-US" altLang="ja-JP" sz="1200" dirty="0"/>
-          </a:p>
-        </p:txBody>
-      </p:sp>
       <p:cxnSp>
         <p:nvCxnSpPr>
           <p:cNvPr id="32" name="直線矢印コネクタ 31">
@@ -5967,6 +5968,58 @@
           <a:chExt cx="0" cy="0"/>
         </a:xfrm>
       </p:grpSpPr>
+      <p:sp>
+        <p:nvSpPr>
+          <p:cNvPr id="2" name="正方形/長方形 1">
+            <a:extLst>
+              <a:ext uri="{FF2B5EF4-FFF2-40B4-BE49-F238E27FC236}">
+                <a16:creationId xmlns:a16="http://schemas.microsoft.com/office/drawing/2014/main" id="{10D42C55-6D09-BDD1-FAA8-4C5B8B86A7F1}"/>
+              </a:ext>
+            </a:extLst>
+          </p:cNvPr>
+          <p:cNvSpPr/>
+          <p:nvPr/>
+        </p:nvSpPr>
+        <p:spPr>
+          <a:xfrm>
+            <a:off x="0" y="0"/>
+            <a:ext cx="12192000" cy="6509982"/>
+          </a:xfrm>
+          <a:prstGeom prst="rect">
+            <a:avLst/>
+          </a:prstGeom>
+          <a:solidFill>
+            <a:schemeClr val="bg1"/>
+          </a:solidFill>
+          <a:ln>
+            <a:noFill/>
+          </a:ln>
+        </p:spPr>
+        <p:style>
+          <a:lnRef idx="2">
+            <a:schemeClr val="accent1">
+              <a:shade val="15000"/>
+            </a:schemeClr>
+          </a:lnRef>
+          <a:fillRef idx="1">
+            <a:schemeClr val="accent1"/>
+          </a:fillRef>
+          <a:effectRef idx="0">
+            <a:schemeClr val="accent1"/>
+          </a:effectRef>
+          <a:fontRef idx="minor">
+            <a:schemeClr val="lt1"/>
+          </a:fontRef>
+        </p:style>
+        <p:txBody>
+          <a:bodyPr rtlCol="0" anchor="ctr"/>
+          <a:lstStyle/>
+          <a:p>
+            <a:pPr algn="ctr"/>
+            <a:endParaRPr kumimoji="1" lang="ja-JP" altLang="en-US"/>
+          </a:p>
+        </p:txBody>
+      </p:sp>
       <p:pic>
         <p:nvPicPr>
           <p:cNvPr id="7" name="グラフィックス 6" descr="ユーザー 枠線">
@@ -7196,62 +7249,6 @@
           </p:spPr>
         </p:pic>
       </p:grpSp>
-      <p:sp>
-        <p:nvSpPr>
-          <p:cNvPr id="31" name="円/楕円 30">
-            <a:extLst>
-              <a:ext uri="{FF2B5EF4-FFF2-40B4-BE49-F238E27FC236}">
-                <a16:creationId xmlns:a16="http://schemas.microsoft.com/office/drawing/2014/main" id="{FC5C7909-E30D-F825-E6F8-AB702F8CAB9A}"/>
-              </a:ext>
-            </a:extLst>
-          </p:cNvPr>
-          <p:cNvSpPr/>
-          <p:nvPr/>
-        </p:nvSpPr>
-        <p:spPr>
-          <a:xfrm>
-            <a:off x="474200" y="300978"/>
-            <a:ext cx="220840" cy="220840"/>
-          </a:xfrm>
-          <a:prstGeom prst="ellipse">
-            <a:avLst/>
-          </a:prstGeom>
-          <a:solidFill>
-            <a:srgbClr val="002060"/>
-          </a:solidFill>
-          <a:ln>
-            <a:noFill/>
-          </a:ln>
-        </p:spPr>
-        <p:style>
-          <a:lnRef idx="2">
-            <a:schemeClr val="accent1">
-              <a:shade val="15000"/>
-            </a:schemeClr>
-          </a:lnRef>
-          <a:fillRef idx="1">
-            <a:schemeClr val="accent1"/>
-          </a:fillRef>
-          <a:effectRef idx="0">
-            <a:schemeClr val="accent1"/>
-          </a:effectRef>
-          <a:fontRef idx="minor">
-            <a:schemeClr val="lt1"/>
-          </a:fontRef>
-        </p:style>
-        <p:txBody>
-          <a:bodyPr rtlCol="0" anchor="ctr"/>
-          <a:lstStyle/>
-          <a:p>
-            <a:pPr algn="ctr"/>
-            <a:r>
-              <a:rPr lang="en-US" altLang="ja-JP" sz="1200" dirty="0"/>
-              <a:t>6</a:t>
-            </a:r>
-            <a:endParaRPr kumimoji="1" lang="en-US" altLang="ja-JP" sz="1200" dirty="0"/>
-          </a:p>
-        </p:txBody>
-      </p:sp>
       <p:cxnSp>
         <p:nvCxnSpPr>
           <p:cNvPr id="32" name="直線矢印コネクタ 31">
@@ -8258,6 +8255,58 @@
           <a:chExt cx="0" cy="0"/>
         </a:xfrm>
       </p:grpSpPr>
+      <p:sp>
+        <p:nvSpPr>
+          <p:cNvPr id="3" name="正方形/長方形 2">
+            <a:extLst>
+              <a:ext uri="{FF2B5EF4-FFF2-40B4-BE49-F238E27FC236}">
+                <a16:creationId xmlns:a16="http://schemas.microsoft.com/office/drawing/2014/main" id="{869BF1D1-5F52-B28F-5595-55BE3E6CBCD4}"/>
+              </a:ext>
+            </a:extLst>
+          </p:cNvPr>
+          <p:cNvSpPr/>
+          <p:nvPr/>
+        </p:nvSpPr>
+        <p:spPr>
+          <a:xfrm>
+            <a:off x="0" y="-1"/>
+            <a:ext cx="12192000" cy="6858001"/>
+          </a:xfrm>
+          <a:prstGeom prst="rect">
+            <a:avLst/>
+          </a:prstGeom>
+          <a:solidFill>
+            <a:schemeClr val="bg1"/>
+          </a:solidFill>
+          <a:ln>
+            <a:noFill/>
+          </a:ln>
+        </p:spPr>
+        <p:style>
+          <a:lnRef idx="2">
+            <a:schemeClr val="accent1">
+              <a:shade val="15000"/>
+            </a:schemeClr>
+          </a:lnRef>
+          <a:fillRef idx="1">
+            <a:schemeClr val="accent1"/>
+          </a:fillRef>
+          <a:effectRef idx="0">
+            <a:schemeClr val="accent1"/>
+          </a:effectRef>
+          <a:fontRef idx="minor">
+            <a:schemeClr val="lt1"/>
+          </a:fontRef>
+        </p:style>
+        <p:txBody>
+          <a:bodyPr rtlCol="0" anchor="ctr"/>
+          <a:lstStyle/>
+          <a:p>
+            <a:pPr algn="ctr"/>
+            <a:endParaRPr kumimoji="1" lang="ja-JP" altLang="en-US"/>
+          </a:p>
+        </p:txBody>
+      </p:sp>
       <p:grpSp>
         <p:nvGrpSpPr>
           <p:cNvPr id="35" name="グループ化 34">
@@ -10893,6 +10942,58 @@
           <a:chExt cx="0" cy="0"/>
         </a:xfrm>
       </p:grpSpPr>
+      <p:sp>
+        <p:nvSpPr>
+          <p:cNvPr id="3" name="正方形/長方形 2">
+            <a:extLst>
+              <a:ext uri="{FF2B5EF4-FFF2-40B4-BE49-F238E27FC236}">
+                <a16:creationId xmlns:a16="http://schemas.microsoft.com/office/drawing/2014/main" id="{DC791F2E-7942-E9BE-69F3-78FB3FE2E1BF}"/>
+              </a:ext>
+            </a:extLst>
+          </p:cNvPr>
+          <p:cNvSpPr/>
+          <p:nvPr/>
+        </p:nvSpPr>
+        <p:spPr>
+          <a:xfrm>
+            <a:off x="0" y="-1"/>
+            <a:ext cx="12192000" cy="6858001"/>
+          </a:xfrm>
+          <a:prstGeom prst="rect">
+            <a:avLst/>
+          </a:prstGeom>
+          <a:solidFill>
+            <a:schemeClr val="bg1"/>
+          </a:solidFill>
+          <a:ln>
+            <a:noFill/>
+          </a:ln>
+        </p:spPr>
+        <p:style>
+          <a:lnRef idx="2">
+            <a:schemeClr val="accent1">
+              <a:shade val="15000"/>
+            </a:schemeClr>
+          </a:lnRef>
+          <a:fillRef idx="1">
+            <a:schemeClr val="accent1"/>
+          </a:fillRef>
+          <a:effectRef idx="0">
+            <a:schemeClr val="accent1"/>
+          </a:effectRef>
+          <a:fontRef idx="minor">
+            <a:schemeClr val="lt1"/>
+          </a:fontRef>
+        </p:style>
+        <p:txBody>
+          <a:bodyPr rtlCol="0" anchor="ctr"/>
+          <a:lstStyle/>
+          <a:p>
+            <a:pPr algn="ctr"/>
+            <a:endParaRPr kumimoji="1" lang="ja-JP" altLang="en-US"/>
+          </a:p>
+        </p:txBody>
+      </p:sp>
       <p:grpSp>
         <p:nvGrpSpPr>
           <p:cNvPr id="35" name="グループ化 34">

--- a/assets/approach.pptx
+++ b/assets/approach.pptx
@@ -9,6 +9,7 @@
     <p:sldId id="257" r:id="rId3"/>
     <p:sldId id="258" r:id="rId4"/>
     <p:sldId id="259" r:id="rId5"/>
+    <p:sldId id="260" r:id="rId6"/>
   </p:sldIdLst>
   <p:sldSz cx="12192000" cy="6858000"/>
   <p:notesSz cx="6858000" cy="9144000"/>
@@ -262,7 +263,7 @@
           <a:p>
             <a:fld id="{4AE36DDC-C236-7845-AABE-E73B11A4B901}" type="datetimeFigureOut">
               <a:rPr kumimoji="1" lang="ja-JP" altLang="en-US" smtClean="0"/>
-              <a:t>2023/10/26</a:t>
+              <a:t>2023/11/1</a:t>
             </a:fld>
             <a:endParaRPr kumimoji="1" lang="ja-JP" altLang="en-US"/>
           </a:p>
@@ -492,7 +493,7 @@
           <a:p>
             <a:fld id="{4AE36DDC-C236-7845-AABE-E73B11A4B901}" type="datetimeFigureOut">
               <a:rPr kumimoji="1" lang="ja-JP" altLang="en-US" smtClean="0"/>
-              <a:t>2023/10/26</a:t>
+              <a:t>2023/11/1</a:t>
             </a:fld>
             <a:endParaRPr kumimoji="1" lang="ja-JP" altLang="en-US"/>
           </a:p>
@@ -732,7 +733,7 @@
           <a:p>
             <a:fld id="{4AE36DDC-C236-7845-AABE-E73B11A4B901}" type="datetimeFigureOut">
               <a:rPr kumimoji="1" lang="ja-JP" altLang="en-US" smtClean="0"/>
-              <a:t>2023/10/26</a:t>
+              <a:t>2023/11/1</a:t>
             </a:fld>
             <a:endParaRPr kumimoji="1" lang="ja-JP" altLang="en-US"/>
           </a:p>
@@ -962,7 +963,7 @@
           <a:p>
             <a:fld id="{4AE36DDC-C236-7845-AABE-E73B11A4B901}" type="datetimeFigureOut">
               <a:rPr kumimoji="1" lang="ja-JP" altLang="en-US" smtClean="0"/>
-              <a:t>2023/10/26</a:t>
+              <a:t>2023/11/1</a:t>
             </a:fld>
             <a:endParaRPr kumimoji="1" lang="ja-JP" altLang="en-US"/>
           </a:p>
@@ -1237,7 +1238,7 @@
           <a:p>
             <a:fld id="{4AE36DDC-C236-7845-AABE-E73B11A4B901}" type="datetimeFigureOut">
               <a:rPr kumimoji="1" lang="ja-JP" altLang="en-US" smtClean="0"/>
-              <a:t>2023/10/26</a:t>
+              <a:t>2023/11/1</a:t>
             </a:fld>
             <a:endParaRPr kumimoji="1" lang="ja-JP" altLang="en-US"/>
           </a:p>
@@ -1566,7 +1567,7 @@
           <a:p>
             <a:fld id="{4AE36DDC-C236-7845-AABE-E73B11A4B901}" type="datetimeFigureOut">
               <a:rPr kumimoji="1" lang="ja-JP" altLang="en-US" smtClean="0"/>
-              <a:t>2023/10/26</a:t>
+              <a:t>2023/11/1</a:t>
             </a:fld>
             <a:endParaRPr kumimoji="1" lang="ja-JP" altLang="en-US"/>
           </a:p>
@@ -2042,7 +2043,7 @@
           <a:p>
             <a:fld id="{4AE36DDC-C236-7845-AABE-E73B11A4B901}" type="datetimeFigureOut">
               <a:rPr kumimoji="1" lang="ja-JP" altLang="en-US" smtClean="0"/>
-              <a:t>2023/10/26</a:t>
+              <a:t>2023/11/1</a:t>
             </a:fld>
             <a:endParaRPr kumimoji="1" lang="ja-JP" altLang="en-US"/>
           </a:p>
@@ -2183,7 +2184,7 @@
           <a:p>
             <a:fld id="{4AE36DDC-C236-7845-AABE-E73B11A4B901}" type="datetimeFigureOut">
               <a:rPr kumimoji="1" lang="ja-JP" altLang="en-US" smtClean="0"/>
-              <a:t>2023/10/26</a:t>
+              <a:t>2023/11/1</a:t>
             </a:fld>
             <a:endParaRPr kumimoji="1" lang="ja-JP" altLang="en-US"/>
           </a:p>
@@ -2296,7 +2297,7 @@
           <a:p>
             <a:fld id="{4AE36DDC-C236-7845-AABE-E73B11A4B901}" type="datetimeFigureOut">
               <a:rPr kumimoji="1" lang="ja-JP" altLang="en-US" smtClean="0"/>
-              <a:t>2023/10/26</a:t>
+              <a:t>2023/11/1</a:t>
             </a:fld>
             <a:endParaRPr kumimoji="1" lang="ja-JP" altLang="en-US"/>
           </a:p>
@@ -2639,7 +2640,7 @@
           <a:p>
             <a:fld id="{4AE36DDC-C236-7845-AABE-E73B11A4B901}" type="datetimeFigureOut">
               <a:rPr kumimoji="1" lang="ja-JP" altLang="en-US" smtClean="0"/>
-              <a:t>2023/10/26</a:t>
+              <a:t>2023/11/1</a:t>
             </a:fld>
             <a:endParaRPr kumimoji="1" lang="ja-JP" altLang="en-US"/>
           </a:p>
@@ -2927,7 +2928,7 @@
           <a:p>
             <a:fld id="{4AE36DDC-C236-7845-AABE-E73B11A4B901}" type="datetimeFigureOut">
               <a:rPr kumimoji="1" lang="ja-JP" altLang="en-US" smtClean="0"/>
-              <a:t>2023/10/26</a:t>
+              <a:t>2023/11/1</a:t>
             </a:fld>
             <a:endParaRPr kumimoji="1" lang="ja-JP" altLang="en-US"/>
           </a:p>
@@ -3200,7 +3201,7 @@
           <a:p>
             <a:fld id="{4AE36DDC-C236-7845-AABE-E73B11A4B901}" type="datetimeFigureOut">
               <a:rPr kumimoji="1" lang="ja-JP" altLang="en-US" smtClean="0"/>
-              <a:t>2023/10/26</a:t>
+              <a:t>2023/11/1</a:t>
             </a:fld>
             <a:endParaRPr kumimoji="1" lang="ja-JP" altLang="en-US"/>
           </a:p>
@@ -13566,6 +13567,1233 @@
 </p:sld>
 </file>
 
+<file path=ppt/slides/slide5.xml><?xml version="1.0" encoding="utf-8"?>
+<p:sld xmlns:a="http://schemas.openxmlformats.org/drawingml/2006/main" xmlns:r="http://schemas.openxmlformats.org/officeDocument/2006/relationships" xmlns:p="http://schemas.openxmlformats.org/presentationml/2006/main">
+  <p:cSld>
+    <p:spTree>
+      <p:nvGrpSpPr>
+        <p:cNvPr id="1" name=""/>
+        <p:cNvGrpSpPr/>
+        <p:nvPr/>
+      </p:nvGrpSpPr>
+      <p:grpSpPr>
+        <a:xfrm>
+          <a:off x="0" y="0"/>
+          <a:ext cx="0" cy="0"/>
+          <a:chOff x="0" y="0"/>
+          <a:chExt cx="0" cy="0"/>
+        </a:xfrm>
+      </p:grpSpPr>
+      <p:sp>
+        <p:nvSpPr>
+          <p:cNvPr id="1024" name="正方形/長方形 1023">
+            <a:extLst>
+              <a:ext uri="{FF2B5EF4-FFF2-40B4-BE49-F238E27FC236}">
+                <a16:creationId xmlns:a16="http://schemas.microsoft.com/office/drawing/2014/main" id="{EFEE262D-AD78-EA7F-8235-742BB6982E40}"/>
+              </a:ext>
+            </a:extLst>
+          </p:cNvPr>
+          <p:cNvSpPr/>
+          <p:nvPr/>
+        </p:nvSpPr>
+        <p:spPr>
+          <a:xfrm>
+            <a:off x="1546676" y="410811"/>
+            <a:ext cx="8862059" cy="5799489"/>
+          </a:xfrm>
+          <a:prstGeom prst="rect">
+            <a:avLst/>
+          </a:prstGeom>
+          <a:solidFill>
+            <a:schemeClr val="bg1"/>
+          </a:solidFill>
+          <a:ln>
+            <a:noFill/>
+          </a:ln>
+        </p:spPr>
+        <p:style>
+          <a:lnRef idx="2">
+            <a:schemeClr val="accent1">
+              <a:shade val="15000"/>
+            </a:schemeClr>
+          </a:lnRef>
+          <a:fillRef idx="1">
+            <a:schemeClr val="accent1"/>
+          </a:fillRef>
+          <a:effectRef idx="0">
+            <a:schemeClr val="accent1"/>
+          </a:effectRef>
+          <a:fontRef idx="minor">
+            <a:schemeClr val="lt1"/>
+          </a:fontRef>
+        </p:style>
+        <p:txBody>
+          <a:bodyPr rtlCol="0" anchor="ctr"/>
+          <a:lstStyle/>
+          <a:p>
+            <a:pPr algn="ctr"/>
+            <a:endParaRPr kumimoji="1" lang="ja-JP" altLang="en-US"/>
+          </a:p>
+        </p:txBody>
+      </p:sp>
+      <p:grpSp>
+        <p:nvGrpSpPr>
+          <p:cNvPr id="14" name="グループ化 13">
+            <a:extLst>
+              <a:ext uri="{FF2B5EF4-FFF2-40B4-BE49-F238E27FC236}">
+                <a16:creationId xmlns:a16="http://schemas.microsoft.com/office/drawing/2014/main" id="{6E8AD5D4-6A8F-E7D6-3749-25EC0D8D6733}"/>
+              </a:ext>
+            </a:extLst>
+          </p:cNvPr>
+          <p:cNvGrpSpPr/>
+          <p:nvPr/>
+        </p:nvGrpSpPr>
+        <p:grpSpPr>
+          <a:xfrm>
+            <a:off x="2782127" y="409608"/>
+            <a:ext cx="843501" cy="902702"/>
+            <a:chOff x="2509752" y="540414"/>
+            <a:chExt cx="843501" cy="902702"/>
+          </a:xfrm>
+        </p:grpSpPr>
+        <p:pic>
+          <p:nvPicPr>
+            <p:cNvPr id="7" name="グラフィックス 6" descr="ユーザー 枠線">
+              <a:extLst>
+                <a:ext uri="{FF2B5EF4-FFF2-40B4-BE49-F238E27FC236}">
+                  <a16:creationId xmlns:a16="http://schemas.microsoft.com/office/drawing/2014/main" id="{74BEF691-6EBA-AFC8-198F-910B30D42DE4}"/>
+                </a:ext>
+              </a:extLst>
+            </p:cNvPr>
+            <p:cNvPicPr>
+              <a:picLocks noChangeAspect="1"/>
+            </p:cNvPicPr>
+            <p:nvPr/>
+          </p:nvPicPr>
+          <p:blipFill>
+            <a:blip r:embed="rId2">
+              <a:extLst>
+                <a:ext uri="{96DAC541-7B7A-43D3-8B79-37D633B846F1}">
+                  <asvg:svgBlip xmlns:asvg="http://schemas.microsoft.com/office/drawing/2016/SVG/main" r:embed="rId3"/>
+                </a:ext>
+              </a:extLst>
+            </a:blip>
+            <a:stretch>
+              <a:fillRect/>
+            </a:stretch>
+          </p:blipFill>
+          <p:spPr>
+            <a:xfrm>
+              <a:off x="2575059" y="540414"/>
+              <a:ext cx="712889" cy="712889"/>
+            </a:xfrm>
+            <a:prstGeom prst="rect">
+              <a:avLst/>
+            </a:prstGeom>
+          </p:spPr>
+        </p:pic>
+        <p:sp>
+          <p:nvSpPr>
+            <p:cNvPr id="9" name="テキスト ボックス 8">
+              <a:extLst>
+                <a:ext uri="{FF2B5EF4-FFF2-40B4-BE49-F238E27FC236}">
+                  <a16:creationId xmlns:a16="http://schemas.microsoft.com/office/drawing/2014/main" id="{5E55C4C3-CD36-25F0-B9E4-DE8916AA870C}"/>
+                </a:ext>
+              </a:extLst>
+            </p:cNvPr>
+            <p:cNvSpPr txBox="1"/>
+            <p:nvPr/>
+          </p:nvSpPr>
+          <p:spPr>
+            <a:xfrm>
+              <a:off x="2509752" y="1181506"/>
+              <a:ext cx="843501" cy="261610"/>
+            </a:xfrm>
+            <a:prstGeom prst="rect">
+              <a:avLst/>
+            </a:prstGeom>
+            <a:noFill/>
+          </p:spPr>
+          <p:txBody>
+            <a:bodyPr wrap="none" rtlCol="0">
+              <a:spAutoFit/>
+            </a:bodyPr>
+            <a:lstStyle/>
+            <a:p>
+              <a:r>
+                <a:rPr kumimoji="1" lang="en-US" altLang="ja-JP" sz="1100" dirty="0"/>
+                <a:t>Developer</a:t>
+              </a:r>
+              <a:endParaRPr kumimoji="1" lang="ja-JP" altLang="en-US" sz="1100"/>
+            </a:p>
+          </p:txBody>
+        </p:sp>
+      </p:grpSp>
+      <p:grpSp>
+        <p:nvGrpSpPr>
+          <p:cNvPr id="12" name="グループ化 11">
+            <a:extLst>
+              <a:ext uri="{FF2B5EF4-FFF2-40B4-BE49-F238E27FC236}">
+                <a16:creationId xmlns:a16="http://schemas.microsoft.com/office/drawing/2014/main" id="{EA7D7933-784A-886D-21B6-82DAB2C081A2}"/>
+              </a:ext>
+            </a:extLst>
+          </p:cNvPr>
+          <p:cNvGrpSpPr/>
+          <p:nvPr/>
+        </p:nvGrpSpPr>
+        <p:grpSpPr>
+          <a:xfrm>
+            <a:off x="7622811" y="409608"/>
+            <a:ext cx="896399" cy="902703"/>
+            <a:chOff x="6072809" y="540413"/>
+            <a:chExt cx="896399" cy="902703"/>
+          </a:xfrm>
+        </p:grpSpPr>
+        <p:pic>
+          <p:nvPicPr>
+            <p:cNvPr id="8" name="グラフィックス 7" descr="ユーザー 枠線">
+              <a:extLst>
+                <a:ext uri="{FF2B5EF4-FFF2-40B4-BE49-F238E27FC236}">
+                  <a16:creationId xmlns:a16="http://schemas.microsoft.com/office/drawing/2014/main" id="{97F8FBAF-593A-54B0-1812-E5CDDBCE14CC}"/>
+                </a:ext>
+              </a:extLst>
+            </p:cNvPr>
+            <p:cNvPicPr>
+              <a:picLocks noChangeAspect="1"/>
+            </p:cNvPicPr>
+            <p:nvPr/>
+          </p:nvPicPr>
+          <p:blipFill>
+            <a:blip r:embed="rId2">
+              <a:extLst>
+                <a:ext uri="{96DAC541-7B7A-43D3-8B79-37D633B846F1}">
+                  <asvg:svgBlip xmlns:asvg="http://schemas.microsoft.com/office/drawing/2016/SVG/main" r:embed="rId3"/>
+                </a:ext>
+              </a:extLst>
+            </a:blip>
+            <a:stretch>
+              <a:fillRect/>
+            </a:stretch>
+          </p:blipFill>
+          <p:spPr>
+            <a:xfrm>
+              <a:off x="6164565" y="540413"/>
+              <a:ext cx="712889" cy="712889"/>
+            </a:xfrm>
+            <a:prstGeom prst="rect">
+              <a:avLst/>
+            </a:prstGeom>
+          </p:spPr>
+        </p:pic>
+        <p:sp>
+          <p:nvSpPr>
+            <p:cNvPr id="10" name="テキスト ボックス 9">
+              <a:extLst>
+                <a:ext uri="{FF2B5EF4-FFF2-40B4-BE49-F238E27FC236}">
+                  <a16:creationId xmlns:a16="http://schemas.microsoft.com/office/drawing/2014/main" id="{05DE1BC8-65C4-9A71-1B5D-1DD8E3B5D924}"/>
+                </a:ext>
+              </a:extLst>
+            </p:cNvPr>
+            <p:cNvSpPr txBox="1"/>
+            <p:nvPr/>
+          </p:nvSpPr>
+          <p:spPr>
+            <a:xfrm>
+              <a:off x="6072809" y="1181506"/>
+              <a:ext cx="896399" cy="261610"/>
+            </a:xfrm>
+            <a:prstGeom prst="rect">
+              <a:avLst/>
+            </a:prstGeom>
+            <a:noFill/>
+          </p:spPr>
+          <p:txBody>
+            <a:bodyPr wrap="none" rtlCol="0">
+              <a:spAutoFit/>
+            </a:bodyPr>
+            <a:lstStyle/>
+            <a:p>
+              <a:r>
+                <a:rPr kumimoji="1" lang="en-US" altLang="ja-JP" sz="1100" dirty="0"/>
+                <a:t>M365 User</a:t>
+              </a:r>
+              <a:endParaRPr kumimoji="1" lang="ja-JP" altLang="en-US" sz="1100"/>
+            </a:p>
+          </p:txBody>
+        </p:sp>
+      </p:grpSp>
+      <p:sp>
+        <p:nvSpPr>
+          <p:cNvPr id="15" name="正方形/長方形 14">
+            <a:extLst>
+              <a:ext uri="{FF2B5EF4-FFF2-40B4-BE49-F238E27FC236}">
+                <a16:creationId xmlns:a16="http://schemas.microsoft.com/office/drawing/2014/main" id="{FD9C2DDF-5F41-E157-6020-768E982C587E}"/>
+              </a:ext>
+            </a:extLst>
+          </p:cNvPr>
+          <p:cNvSpPr/>
+          <p:nvPr/>
+        </p:nvSpPr>
+        <p:spPr>
+          <a:xfrm>
+            <a:off x="6164565" y="1744493"/>
+            <a:ext cx="3812892" cy="917644"/>
+          </a:xfrm>
+          <a:prstGeom prst="rect">
+            <a:avLst/>
+          </a:prstGeom>
+          <a:ln>
+            <a:noFill/>
+          </a:ln>
+        </p:spPr>
+        <p:style>
+          <a:lnRef idx="2">
+            <a:schemeClr val="accent2">
+              <a:shade val="15000"/>
+            </a:schemeClr>
+          </a:lnRef>
+          <a:fillRef idx="1">
+            <a:schemeClr val="accent2"/>
+          </a:fillRef>
+          <a:effectRef idx="0">
+            <a:schemeClr val="accent2"/>
+          </a:effectRef>
+          <a:fontRef idx="minor">
+            <a:schemeClr val="lt1"/>
+          </a:fontRef>
+        </p:style>
+        <p:txBody>
+          <a:bodyPr rtlCol="0" anchor="ctr"/>
+          <a:lstStyle/>
+          <a:p>
+            <a:pPr algn="ctr"/>
+            <a:r>
+              <a:rPr kumimoji="1" lang="en-US" altLang="ja-JP" dirty="0"/>
+              <a:t>Microsoft Search (SaaS)</a:t>
+            </a:r>
+            <a:endParaRPr kumimoji="1" lang="ja-JP" altLang="en-US"/>
+          </a:p>
+        </p:txBody>
+      </p:sp>
+      <p:sp>
+        <p:nvSpPr>
+          <p:cNvPr id="16" name="正方形/長方形 15">
+            <a:extLst>
+              <a:ext uri="{FF2B5EF4-FFF2-40B4-BE49-F238E27FC236}">
+                <a16:creationId xmlns:a16="http://schemas.microsoft.com/office/drawing/2014/main" id="{FC5D3466-1C31-7F13-941B-68798CD83B4F}"/>
+              </a:ext>
+            </a:extLst>
+          </p:cNvPr>
+          <p:cNvSpPr/>
+          <p:nvPr/>
+        </p:nvSpPr>
+        <p:spPr>
+          <a:xfrm>
+            <a:off x="4247745" y="2782165"/>
+            <a:ext cx="5729712" cy="917644"/>
+          </a:xfrm>
+          <a:prstGeom prst="rect">
+            <a:avLst/>
+          </a:prstGeom>
+          <a:ln>
+            <a:noFill/>
+          </a:ln>
+        </p:spPr>
+        <p:style>
+          <a:lnRef idx="3">
+            <a:schemeClr val="lt1"/>
+          </a:lnRef>
+          <a:fillRef idx="1">
+            <a:schemeClr val="accent6"/>
+          </a:fillRef>
+          <a:effectRef idx="1">
+            <a:schemeClr val="accent6"/>
+          </a:effectRef>
+          <a:fontRef idx="minor">
+            <a:schemeClr val="lt1"/>
+          </a:fontRef>
+        </p:style>
+        <p:txBody>
+          <a:bodyPr rtlCol="0" anchor="ctr"/>
+          <a:lstStyle/>
+          <a:p>
+            <a:pPr algn="ctr"/>
+            <a:r>
+              <a:rPr kumimoji="1" lang="en-US" altLang="ja-JP" dirty="0"/>
+              <a:t>Microsoft Graph SDK</a:t>
+            </a:r>
+          </a:p>
+          <a:p>
+            <a:pPr algn="ctr"/>
+            <a:r>
+              <a:rPr kumimoji="1" lang="en-US" altLang="ja-JP" sz="1050" dirty="0"/>
+              <a:t>C# / CLI / PowerShell / TypeScript / JavaScript / Java / Go / PHP / Python (</a:t>
+            </a:r>
+            <a:r>
+              <a:rPr kumimoji="1" lang="ja-JP" altLang="en-US" sz="1050"/>
+              <a:t>プレビュー</a:t>
+            </a:r>
+            <a:r>
+              <a:rPr kumimoji="1" lang="en-US" altLang="ja-JP" sz="1050" dirty="0"/>
+              <a:t>)</a:t>
+            </a:r>
+            <a:endParaRPr kumimoji="1" lang="ja-JP" altLang="en-US" sz="1050"/>
+          </a:p>
+        </p:txBody>
+      </p:sp>
+      <p:sp>
+        <p:nvSpPr>
+          <p:cNvPr id="17" name="正方形/長方形 16">
+            <a:extLst>
+              <a:ext uri="{FF2B5EF4-FFF2-40B4-BE49-F238E27FC236}">
+                <a16:creationId xmlns:a16="http://schemas.microsoft.com/office/drawing/2014/main" id="{4680E116-7E36-E1F8-DF30-A1833F23FC80}"/>
+              </a:ext>
+            </a:extLst>
+          </p:cNvPr>
+          <p:cNvSpPr/>
+          <p:nvPr/>
+        </p:nvSpPr>
+        <p:spPr>
+          <a:xfrm>
+            <a:off x="1977957" y="3819837"/>
+            <a:ext cx="7999500" cy="917644"/>
+          </a:xfrm>
+          <a:prstGeom prst="rect">
+            <a:avLst/>
+          </a:prstGeom>
+          <a:ln>
+            <a:noFill/>
+          </a:ln>
+        </p:spPr>
+        <p:style>
+          <a:lnRef idx="3">
+            <a:schemeClr val="lt1"/>
+          </a:lnRef>
+          <a:fillRef idx="1">
+            <a:schemeClr val="accent5"/>
+          </a:fillRef>
+          <a:effectRef idx="1">
+            <a:schemeClr val="accent5"/>
+          </a:effectRef>
+          <a:fontRef idx="minor">
+            <a:schemeClr val="lt1"/>
+          </a:fontRef>
+        </p:style>
+        <p:txBody>
+          <a:bodyPr rtlCol="0" anchor="t"/>
+          <a:lstStyle/>
+          <a:p>
+            <a:pPr algn="ctr"/>
+            <a:r>
+              <a:rPr kumimoji="1" lang="en-US" altLang="ja-JP" dirty="0"/>
+              <a:t>Microsoft Graph API</a:t>
+            </a:r>
+            <a:endParaRPr kumimoji="1" lang="ja-JP" altLang="en-US"/>
+          </a:p>
+        </p:txBody>
+      </p:sp>
+      <p:sp>
+        <p:nvSpPr>
+          <p:cNvPr id="18" name="正方形/長方形 17">
+            <a:extLst>
+              <a:ext uri="{FF2B5EF4-FFF2-40B4-BE49-F238E27FC236}">
+                <a16:creationId xmlns:a16="http://schemas.microsoft.com/office/drawing/2014/main" id="{7F7DB94B-9E16-24F6-D3B3-26FF7BD59DC8}"/>
+              </a:ext>
+            </a:extLst>
+          </p:cNvPr>
+          <p:cNvSpPr/>
+          <p:nvPr/>
+        </p:nvSpPr>
+        <p:spPr>
+          <a:xfrm>
+            <a:off x="1977957" y="5038858"/>
+            <a:ext cx="1757345" cy="917644"/>
+          </a:xfrm>
+          <a:prstGeom prst="rect">
+            <a:avLst/>
+          </a:prstGeom>
+          <a:solidFill>
+            <a:srgbClr val="002060"/>
+          </a:solidFill>
+          <a:ln>
+            <a:noFill/>
+          </a:ln>
+        </p:spPr>
+        <p:style>
+          <a:lnRef idx="3">
+            <a:schemeClr val="lt1"/>
+          </a:lnRef>
+          <a:fillRef idx="1">
+            <a:schemeClr val="accent5"/>
+          </a:fillRef>
+          <a:effectRef idx="1">
+            <a:schemeClr val="accent5"/>
+          </a:effectRef>
+          <a:fontRef idx="minor">
+            <a:schemeClr val="lt1"/>
+          </a:fontRef>
+        </p:style>
+        <p:txBody>
+          <a:bodyPr rtlCol="0" anchor="ctr"/>
+          <a:lstStyle/>
+          <a:p>
+            <a:pPr algn="ctr"/>
+            <a:r>
+              <a:rPr kumimoji="1" lang="en-US" altLang="ja-JP" sz="1400" dirty="0"/>
+              <a:t>Microsoft </a:t>
+            </a:r>
+            <a:r>
+              <a:rPr kumimoji="1" lang="en-US" altLang="ja-JP" sz="1400" dirty="0" err="1"/>
+              <a:t>Entra</a:t>
+            </a:r>
+            <a:r>
+              <a:rPr kumimoji="1" lang="en-US" altLang="ja-JP" sz="1400" dirty="0"/>
+              <a:t> ID</a:t>
+            </a:r>
+          </a:p>
+          <a:p>
+            <a:pPr algn="ctr"/>
+            <a:r>
+              <a:rPr lang="en-US" altLang="ja-JP" sz="1200" dirty="0"/>
+              <a:t>(</a:t>
+            </a:r>
+            <a:r>
+              <a:rPr lang="ja-JP" altLang="en-US" sz="1200"/>
+              <a:t>旧</a:t>
+            </a:r>
+            <a:r>
+              <a:rPr lang="en-US" altLang="ja-JP" sz="1200" dirty="0"/>
+              <a:t>Azure AD)</a:t>
+            </a:r>
+            <a:endParaRPr kumimoji="1" lang="ja-JP" altLang="en-US" sz="1200"/>
+          </a:p>
+        </p:txBody>
+      </p:sp>
+      <p:sp>
+        <p:nvSpPr>
+          <p:cNvPr id="19" name="正方形/長方形 18">
+            <a:extLst>
+              <a:ext uri="{FF2B5EF4-FFF2-40B4-BE49-F238E27FC236}">
+                <a16:creationId xmlns:a16="http://schemas.microsoft.com/office/drawing/2014/main" id="{B4CE05CD-C588-7209-C01D-D0BA04574E17}"/>
+              </a:ext>
+            </a:extLst>
+          </p:cNvPr>
+          <p:cNvSpPr/>
+          <p:nvPr/>
+        </p:nvSpPr>
+        <p:spPr>
+          <a:xfrm>
+            <a:off x="3841384" y="5038858"/>
+            <a:ext cx="1757345" cy="917644"/>
+          </a:xfrm>
+          <a:prstGeom prst="rect">
+            <a:avLst/>
+          </a:prstGeom>
+          <a:solidFill>
+            <a:srgbClr val="002060"/>
+          </a:solidFill>
+          <a:ln>
+            <a:noFill/>
+          </a:ln>
+        </p:spPr>
+        <p:style>
+          <a:lnRef idx="3">
+            <a:schemeClr val="lt1"/>
+          </a:lnRef>
+          <a:fillRef idx="1">
+            <a:schemeClr val="accent5"/>
+          </a:fillRef>
+          <a:effectRef idx="1">
+            <a:schemeClr val="accent5"/>
+          </a:effectRef>
+          <a:fontRef idx="minor">
+            <a:schemeClr val="lt1"/>
+          </a:fontRef>
+        </p:style>
+        <p:txBody>
+          <a:bodyPr rtlCol="0" anchor="ctr"/>
+          <a:lstStyle/>
+          <a:p>
+            <a:pPr algn="ctr"/>
+            <a:r>
+              <a:rPr kumimoji="1" lang="en-US" altLang="ja-JP" dirty="0"/>
+              <a:t>Exchange</a:t>
+            </a:r>
+            <a:endParaRPr kumimoji="1" lang="ja-JP" altLang="en-US"/>
+          </a:p>
+        </p:txBody>
+      </p:sp>
+      <p:sp>
+        <p:nvSpPr>
+          <p:cNvPr id="20" name="正方形/長方形 19">
+            <a:extLst>
+              <a:ext uri="{FF2B5EF4-FFF2-40B4-BE49-F238E27FC236}">
+                <a16:creationId xmlns:a16="http://schemas.microsoft.com/office/drawing/2014/main" id="{475B3FBE-9D5F-AE03-E2F3-7676E6030E70}"/>
+              </a:ext>
+            </a:extLst>
+          </p:cNvPr>
+          <p:cNvSpPr/>
+          <p:nvPr/>
+        </p:nvSpPr>
+        <p:spPr>
+          <a:xfrm>
+            <a:off x="5704811" y="5038858"/>
+            <a:ext cx="1757345" cy="917644"/>
+          </a:xfrm>
+          <a:prstGeom prst="rect">
+            <a:avLst/>
+          </a:prstGeom>
+          <a:solidFill>
+            <a:srgbClr val="002060"/>
+          </a:solidFill>
+          <a:ln>
+            <a:noFill/>
+          </a:ln>
+        </p:spPr>
+        <p:style>
+          <a:lnRef idx="3">
+            <a:schemeClr val="lt1"/>
+          </a:lnRef>
+          <a:fillRef idx="1">
+            <a:schemeClr val="accent5"/>
+          </a:fillRef>
+          <a:effectRef idx="1">
+            <a:schemeClr val="accent5"/>
+          </a:effectRef>
+          <a:fontRef idx="minor">
+            <a:schemeClr val="lt1"/>
+          </a:fontRef>
+        </p:style>
+        <p:txBody>
+          <a:bodyPr rtlCol="0" anchor="ctr"/>
+          <a:lstStyle/>
+          <a:p>
+            <a:pPr algn="ctr"/>
+            <a:r>
+              <a:rPr kumimoji="1" lang="en-US" altLang="ja-JP" dirty="0"/>
+              <a:t>SharePoint</a:t>
+            </a:r>
+            <a:endParaRPr kumimoji="1" lang="ja-JP" altLang="en-US"/>
+          </a:p>
+        </p:txBody>
+      </p:sp>
+      <p:sp>
+        <p:nvSpPr>
+          <p:cNvPr id="21" name="正方形/長方形 20">
+            <a:extLst>
+              <a:ext uri="{FF2B5EF4-FFF2-40B4-BE49-F238E27FC236}">
+                <a16:creationId xmlns:a16="http://schemas.microsoft.com/office/drawing/2014/main" id="{908FA9BD-BD88-875A-2156-B3E6D070F373}"/>
+              </a:ext>
+            </a:extLst>
+          </p:cNvPr>
+          <p:cNvSpPr/>
+          <p:nvPr/>
+        </p:nvSpPr>
+        <p:spPr>
+          <a:xfrm>
+            <a:off x="7568238" y="5038858"/>
+            <a:ext cx="1757345" cy="917644"/>
+          </a:xfrm>
+          <a:prstGeom prst="rect">
+            <a:avLst/>
+          </a:prstGeom>
+          <a:solidFill>
+            <a:srgbClr val="002060"/>
+          </a:solidFill>
+          <a:ln>
+            <a:noFill/>
+          </a:ln>
+        </p:spPr>
+        <p:style>
+          <a:lnRef idx="3">
+            <a:schemeClr val="lt1"/>
+          </a:lnRef>
+          <a:fillRef idx="1">
+            <a:schemeClr val="accent5"/>
+          </a:fillRef>
+          <a:effectRef idx="1">
+            <a:schemeClr val="accent5"/>
+          </a:effectRef>
+          <a:fontRef idx="minor">
+            <a:schemeClr val="lt1"/>
+          </a:fontRef>
+        </p:style>
+        <p:txBody>
+          <a:bodyPr rtlCol="0" anchor="ctr"/>
+          <a:lstStyle/>
+          <a:p>
+            <a:pPr algn="ctr"/>
+            <a:r>
+              <a:rPr kumimoji="1" lang="en-US" altLang="ja-JP" dirty="0"/>
+              <a:t>OneDrive</a:t>
+            </a:r>
+            <a:endParaRPr kumimoji="1" lang="ja-JP" altLang="en-US"/>
+          </a:p>
+        </p:txBody>
+      </p:sp>
+      <p:sp>
+        <p:nvSpPr>
+          <p:cNvPr id="22" name="テキスト ボックス 21">
+            <a:extLst>
+              <a:ext uri="{FF2B5EF4-FFF2-40B4-BE49-F238E27FC236}">
+                <a16:creationId xmlns:a16="http://schemas.microsoft.com/office/drawing/2014/main" id="{4C0841E4-580A-7FB7-B9E5-1FE98060C7C0}"/>
+              </a:ext>
+            </a:extLst>
+          </p:cNvPr>
+          <p:cNvSpPr txBox="1"/>
+          <p:nvPr/>
+        </p:nvSpPr>
+        <p:spPr>
+          <a:xfrm>
+            <a:off x="9369598" y="5366875"/>
+            <a:ext cx="607859" cy="261610"/>
+          </a:xfrm>
+          <a:prstGeom prst="rect">
+            <a:avLst/>
+          </a:prstGeom>
+          <a:noFill/>
+        </p:spPr>
+        <p:txBody>
+          <a:bodyPr wrap="none" rtlCol="0">
+            <a:spAutoFit/>
+          </a:bodyPr>
+          <a:lstStyle/>
+          <a:p>
+            <a:r>
+              <a:rPr kumimoji="1" lang="ja-JP" altLang="en-US" sz="1100"/>
+              <a:t>・・・</a:t>
+            </a:r>
+          </a:p>
+        </p:txBody>
+      </p:sp>
+      <p:sp>
+        <p:nvSpPr>
+          <p:cNvPr id="24" name="正方形/長方形 23">
+            <a:extLst>
+              <a:ext uri="{FF2B5EF4-FFF2-40B4-BE49-F238E27FC236}">
+                <a16:creationId xmlns:a16="http://schemas.microsoft.com/office/drawing/2014/main" id="{59EFDA17-9A16-37AF-BDF7-8DB4032E0519}"/>
+              </a:ext>
+            </a:extLst>
+          </p:cNvPr>
+          <p:cNvSpPr/>
+          <p:nvPr/>
+        </p:nvSpPr>
+        <p:spPr>
+          <a:xfrm>
+            <a:off x="2171773" y="4195864"/>
+            <a:ext cx="7611867" cy="440986"/>
+          </a:xfrm>
+          <a:prstGeom prst="rect">
+            <a:avLst/>
+          </a:prstGeom>
+          <a:solidFill>
+            <a:schemeClr val="accent5">
+              <a:lumMod val="60000"/>
+              <a:lumOff val="40000"/>
+            </a:schemeClr>
+          </a:solidFill>
+          <a:ln>
+            <a:noFill/>
+          </a:ln>
+        </p:spPr>
+        <p:style>
+          <a:lnRef idx="3">
+            <a:schemeClr val="lt1"/>
+          </a:lnRef>
+          <a:fillRef idx="1">
+            <a:schemeClr val="accent6"/>
+          </a:fillRef>
+          <a:effectRef idx="1">
+            <a:schemeClr val="accent6"/>
+          </a:effectRef>
+          <a:fontRef idx="minor">
+            <a:schemeClr val="lt1"/>
+          </a:fontRef>
+        </p:style>
+        <p:txBody>
+          <a:bodyPr rtlCol="0" anchor="ctr"/>
+          <a:lstStyle/>
+          <a:p>
+            <a:pPr algn="ctr"/>
+            <a:r>
+              <a:rPr kumimoji="1" lang="en-US" altLang="ja-JP" dirty="0"/>
+              <a:t>Microsoft Search API</a:t>
+            </a:r>
+            <a:endParaRPr kumimoji="1" lang="ja-JP" altLang="en-US"/>
+          </a:p>
+        </p:txBody>
+      </p:sp>
+      <p:cxnSp>
+        <p:nvCxnSpPr>
+          <p:cNvPr id="27" name="カギ線コネクタ 26">
+            <a:extLst>
+              <a:ext uri="{FF2B5EF4-FFF2-40B4-BE49-F238E27FC236}">
+                <a16:creationId xmlns:a16="http://schemas.microsoft.com/office/drawing/2014/main" id="{EEE6A929-77BD-3A45-2AC3-53C4FD058DD8}"/>
+              </a:ext>
+            </a:extLst>
+          </p:cNvPr>
+          <p:cNvCxnSpPr>
+            <a:stCxn id="24" idx="2"/>
+            <a:endCxn id="18" idx="0"/>
+          </p:cNvCxnSpPr>
+          <p:nvPr/>
+        </p:nvCxnSpPr>
+        <p:spPr>
+          <a:xfrm rot="5400000">
+            <a:off x="4216165" y="3277316"/>
+            <a:ext cx="402008" cy="3121077"/>
+          </a:xfrm>
+          <a:prstGeom prst="bentConnector3">
+            <a:avLst/>
+          </a:prstGeom>
+          <a:ln w="12700">
+            <a:solidFill>
+              <a:schemeClr val="accent5">
+                <a:lumMod val="60000"/>
+                <a:lumOff val="40000"/>
+              </a:schemeClr>
+            </a:solidFill>
+            <a:tailEnd type="triangle"/>
+          </a:ln>
+        </p:spPr>
+        <p:style>
+          <a:lnRef idx="2">
+            <a:schemeClr val="accent1"/>
+          </a:lnRef>
+          <a:fillRef idx="0">
+            <a:schemeClr val="accent1"/>
+          </a:fillRef>
+          <a:effectRef idx="1">
+            <a:schemeClr val="accent1"/>
+          </a:effectRef>
+          <a:fontRef idx="minor">
+            <a:schemeClr val="tx1"/>
+          </a:fontRef>
+        </p:style>
+      </p:cxnSp>
+      <p:cxnSp>
+        <p:nvCxnSpPr>
+          <p:cNvPr id="28" name="カギ線コネクタ 27">
+            <a:extLst>
+              <a:ext uri="{FF2B5EF4-FFF2-40B4-BE49-F238E27FC236}">
+                <a16:creationId xmlns:a16="http://schemas.microsoft.com/office/drawing/2014/main" id="{2C4EDDC8-4055-2293-A010-92DC0715EB05}"/>
+              </a:ext>
+            </a:extLst>
+          </p:cNvPr>
+          <p:cNvCxnSpPr>
+            <a:cxnSpLocks/>
+            <a:stCxn id="24" idx="2"/>
+            <a:endCxn id="19" idx="0"/>
+          </p:cNvCxnSpPr>
+          <p:nvPr/>
+        </p:nvCxnSpPr>
+        <p:spPr>
+          <a:xfrm rot="5400000">
+            <a:off x="5147878" y="4209029"/>
+            <a:ext cx="402008" cy="1257650"/>
+          </a:xfrm>
+          <a:prstGeom prst="bentConnector3">
+            <a:avLst>
+              <a:gd name="adj1" fmla="val 50000"/>
+            </a:avLst>
+          </a:prstGeom>
+          <a:ln w="12700">
+            <a:solidFill>
+              <a:schemeClr val="accent5">
+                <a:lumMod val="60000"/>
+                <a:lumOff val="40000"/>
+              </a:schemeClr>
+            </a:solidFill>
+            <a:tailEnd type="triangle"/>
+          </a:ln>
+        </p:spPr>
+        <p:style>
+          <a:lnRef idx="2">
+            <a:schemeClr val="accent1"/>
+          </a:lnRef>
+          <a:fillRef idx="0">
+            <a:schemeClr val="accent1"/>
+          </a:fillRef>
+          <a:effectRef idx="1">
+            <a:schemeClr val="accent1"/>
+          </a:effectRef>
+          <a:fontRef idx="minor">
+            <a:schemeClr val="tx1"/>
+          </a:fontRef>
+        </p:style>
+      </p:cxnSp>
+      <p:cxnSp>
+        <p:nvCxnSpPr>
+          <p:cNvPr id="31" name="カギ線コネクタ 30">
+            <a:extLst>
+              <a:ext uri="{FF2B5EF4-FFF2-40B4-BE49-F238E27FC236}">
+                <a16:creationId xmlns:a16="http://schemas.microsoft.com/office/drawing/2014/main" id="{7B1542BB-DE24-E7C6-559B-F1D749997784}"/>
+              </a:ext>
+            </a:extLst>
+          </p:cNvPr>
+          <p:cNvCxnSpPr>
+            <a:cxnSpLocks/>
+            <a:stCxn id="24" idx="2"/>
+            <a:endCxn id="20" idx="0"/>
+          </p:cNvCxnSpPr>
+          <p:nvPr/>
+        </p:nvCxnSpPr>
+        <p:spPr>
+          <a:xfrm rot="16200000" flipH="1">
+            <a:off x="6079591" y="4534965"/>
+            <a:ext cx="402008" cy="605777"/>
+          </a:xfrm>
+          <a:prstGeom prst="bentConnector3">
+            <a:avLst>
+              <a:gd name="adj1" fmla="val 50000"/>
+            </a:avLst>
+          </a:prstGeom>
+          <a:ln w="12700">
+            <a:solidFill>
+              <a:schemeClr val="accent5">
+                <a:lumMod val="60000"/>
+                <a:lumOff val="40000"/>
+              </a:schemeClr>
+            </a:solidFill>
+            <a:tailEnd type="triangle"/>
+          </a:ln>
+        </p:spPr>
+        <p:style>
+          <a:lnRef idx="2">
+            <a:schemeClr val="accent1"/>
+          </a:lnRef>
+          <a:fillRef idx="0">
+            <a:schemeClr val="accent1"/>
+          </a:fillRef>
+          <a:effectRef idx="1">
+            <a:schemeClr val="accent1"/>
+          </a:effectRef>
+          <a:fontRef idx="minor">
+            <a:schemeClr val="tx1"/>
+          </a:fontRef>
+        </p:style>
+      </p:cxnSp>
+      <p:cxnSp>
+        <p:nvCxnSpPr>
+          <p:cNvPr id="41" name="カギ線コネクタ 40">
+            <a:extLst>
+              <a:ext uri="{FF2B5EF4-FFF2-40B4-BE49-F238E27FC236}">
+                <a16:creationId xmlns:a16="http://schemas.microsoft.com/office/drawing/2014/main" id="{18BC015B-A50D-5539-58AC-51CBF28BD189}"/>
+              </a:ext>
+            </a:extLst>
+          </p:cNvPr>
+          <p:cNvCxnSpPr>
+            <a:cxnSpLocks/>
+            <a:stCxn id="24" idx="2"/>
+            <a:endCxn id="21" idx="0"/>
+          </p:cNvCxnSpPr>
+          <p:nvPr/>
+        </p:nvCxnSpPr>
+        <p:spPr>
+          <a:xfrm rot="16200000" flipH="1">
+            <a:off x="7011305" y="3603252"/>
+            <a:ext cx="402008" cy="2469204"/>
+          </a:xfrm>
+          <a:prstGeom prst="bentConnector3">
+            <a:avLst>
+              <a:gd name="adj1" fmla="val 50000"/>
+            </a:avLst>
+          </a:prstGeom>
+          <a:ln w="12700">
+            <a:solidFill>
+              <a:schemeClr val="accent5">
+                <a:lumMod val="60000"/>
+                <a:lumOff val="40000"/>
+              </a:schemeClr>
+            </a:solidFill>
+            <a:tailEnd type="triangle"/>
+          </a:ln>
+        </p:spPr>
+        <p:style>
+          <a:lnRef idx="2">
+            <a:schemeClr val="accent1"/>
+          </a:lnRef>
+          <a:fillRef idx="0">
+            <a:schemeClr val="accent1"/>
+          </a:fillRef>
+          <a:effectRef idx="1">
+            <a:schemeClr val="accent1"/>
+          </a:effectRef>
+          <a:fontRef idx="minor">
+            <a:schemeClr val="tx1"/>
+          </a:fontRef>
+        </p:style>
+      </p:cxnSp>
+      <p:cxnSp>
+        <p:nvCxnSpPr>
+          <p:cNvPr id="46" name="直線矢印コネクタ 45">
+            <a:extLst>
+              <a:ext uri="{FF2B5EF4-FFF2-40B4-BE49-F238E27FC236}">
+                <a16:creationId xmlns:a16="http://schemas.microsoft.com/office/drawing/2014/main" id="{A9E3D638-68B6-3562-5F81-100157BF14BF}"/>
+              </a:ext>
+            </a:extLst>
+          </p:cNvPr>
+          <p:cNvCxnSpPr>
+            <a:stCxn id="9" idx="2"/>
+          </p:cNvCxnSpPr>
+          <p:nvPr/>
+        </p:nvCxnSpPr>
+        <p:spPr>
+          <a:xfrm flipH="1">
+            <a:off x="3203877" y="1312310"/>
+            <a:ext cx="1" cy="2883554"/>
+          </a:xfrm>
+          <a:prstGeom prst="straightConnector1">
+            <a:avLst/>
+          </a:prstGeom>
+          <a:ln w="12700">
+            <a:solidFill>
+              <a:srgbClr val="FF0000"/>
+            </a:solidFill>
+            <a:tailEnd type="triangle"/>
+          </a:ln>
+        </p:spPr>
+        <p:style>
+          <a:lnRef idx="2">
+            <a:schemeClr val="accent1"/>
+          </a:lnRef>
+          <a:fillRef idx="0">
+            <a:schemeClr val="accent1"/>
+          </a:fillRef>
+          <a:effectRef idx="1">
+            <a:schemeClr val="accent1"/>
+          </a:effectRef>
+          <a:fontRef idx="minor">
+            <a:schemeClr val="tx1"/>
+          </a:fontRef>
+        </p:style>
+      </p:cxnSp>
+      <p:cxnSp>
+        <p:nvCxnSpPr>
+          <p:cNvPr id="48" name="直線矢印コネクタ 47">
+            <a:extLst>
+              <a:ext uri="{FF2B5EF4-FFF2-40B4-BE49-F238E27FC236}">
+                <a16:creationId xmlns:a16="http://schemas.microsoft.com/office/drawing/2014/main" id="{298D60A0-46A7-F8A9-A01B-CB51816D0688}"/>
+              </a:ext>
+            </a:extLst>
+          </p:cNvPr>
+          <p:cNvCxnSpPr>
+            <a:cxnSpLocks/>
+            <a:stCxn id="10" idx="2"/>
+          </p:cNvCxnSpPr>
+          <p:nvPr/>
+        </p:nvCxnSpPr>
+        <p:spPr>
+          <a:xfrm>
+            <a:off x="8071011" y="1312311"/>
+            <a:ext cx="0" cy="2883553"/>
+          </a:xfrm>
+          <a:prstGeom prst="straightConnector1">
+            <a:avLst/>
+          </a:prstGeom>
+          <a:ln w="12700">
+            <a:solidFill>
+              <a:srgbClr val="FF0000"/>
+            </a:solidFill>
+            <a:tailEnd type="triangle"/>
+          </a:ln>
+        </p:spPr>
+        <p:style>
+          <a:lnRef idx="2">
+            <a:schemeClr val="accent1"/>
+          </a:lnRef>
+          <a:fillRef idx="0">
+            <a:schemeClr val="accent1"/>
+          </a:fillRef>
+          <a:effectRef idx="1">
+            <a:schemeClr val="accent1"/>
+          </a:effectRef>
+          <a:fontRef idx="minor">
+            <a:schemeClr val="tx1"/>
+          </a:fontRef>
+        </p:style>
+      </p:cxnSp>
+      <p:cxnSp>
+        <p:nvCxnSpPr>
+          <p:cNvPr id="55" name="カギ線コネクタ 54">
+            <a:extLst>
+              <a:ext uri="{FF2B5EF4-FFF2-40B4-BE49-F238E27FC236}">
+                <a16:creationId xmlns:a16="http://schemas.microsoft.com/office/drawing/2014/main" id="{49966B40-B819-1D6D-3EFA-BC4A77729A34}"/>
+              </a:ext>
+            </a:extLst>
+          </p:cNvPr>
+          <p:cNvCxnSpPr>
+            <a:cxnSpLocks/>
+            <a:stCxn id="9" idx="2"/>
+          </p:cNvCxnSpPr>
+          <p:nvPr/>
+        </p:nvCxnSpPr>
+        <p:spPr>
+          <a:xfrm rot="16200000" flipH="1">
+            <a:off x="2546969" y="1969219"/>
+            <a:ext cx="2883554" cy="1569736"/>
+          </a:xfrm>
+          <a:prstGeom prst="bentConnector3">
+            <a:avLst>
+              <a:gd name="adj1" fmla="val 38216"/>
+            </a:avLst>
+          </a:prstGeom>
+          <a:ln w="12700">
+            <a:solidFill>
+              <a:srgbClr val="FF0000"/>
+            </a:solidFill>
+            <a:tailEnd type="triangle"/>
+          </a:ln>
+        </p:spPr>
+        <p:style>
+          <a:lnRef idx="2">
+            <a:schemeClr val="accent1"/>
+          </a:lnRef>
+          <a:fillRef idx="0">
+            <a:schemeClr val="accent1"/>
+          </a:fillRef>
+          <a:effectRef idx="1">
+            <a:schemeClr val="accent1"/>
+          </a:effectRef>
+          <a:fontRef idx="minor">
+            <a:schemeClr val="tx1"/>
+          </a:fontRef>
+        </p:style>
+      </p:cxnSp>
+      <p:sp>
+        <p:nvSpPr>
+          <p:cNvPr id="60" name="テキスト ボックス 59">
+            <a:extLst>
+              <a:ext uri="{FF2B5EF4-FFF2-40B4-BE49-F238E27FC236}">
+                <a16:creationId xmlns:a16="http://schemas.microsoft.com/office/drawing/2014/main" id="{74BF2C8C-B546-D8E3-1510-E9BE5ED46636}"/>
+              </a:ext>
+            </a:extLst>
+          </p:cNvPr>
+          <p:cNvSpPr txBox="1"/>
+          <p:nvPr/>
+        </p:nvSpPr>
+        <p:spPr>
+          <a:xfrm>
+            <a:off x="8056594" y="1450514"/>
+            <a:ext cx="1595309" cy="261610"/>
+          </a:xfrm>
+          <a:prstGeom prst="rect">
+            <a:avLst/>
+          </a:prstGeom>
+          <a:noFill/>
+        </p:spPr>
+        <p:txBody>
+          <a:bodyPr wrap="none" rtlCol="0">
+            <a:spAutoFit/>
+          </a:bodyPr>
+          <a:lstStyle/>
+          <a:p>
+            <a:r>
+              <a:rPr kumimoji="1" lang="ja-JP" altLang="en-US" sz="1100"/>
+              <a:t>サービスとしての利用</a:t>
+            </a:r>
+          </a:p>
+        </p:txBody>
+      </p:sp>
+      <p:sp>
+        <p:nvSpPr>
+          <p:cNvPr id="61" name="テキスト ボックス 60">
+            <a:extLst>
+              <a:ext uri="{FF2B5EF4-FFF2-40B4-BE49-F238E27FC236}">
+                <a16:creationId xmlns:a16="http://schemas.microsoft.com/office/drawing/2014/main" id="{A35EBFB7-C4DB-A469-21FD-46B1EDFE2BD4}"/>
+              </a:ext>
+            </a:extLst>
+          </p:cNvPr>
+          <p:cNvSpPr txBox="1"/>
+          <p:nvPr/>
+        </p:nvSpPr>
+        <p:spPr>
+          <a:xfrm>
+            <a:off x="3652078" y="2152771"/>
+            <a:ext cx="1745991" cy="261610"/>
+          </a:xfrm>
+          <a:prstGeom prst="rect">
+            <a:avLst/>
+          </a:prstGeom>
+          <a:noFill/>
+        </p:spPr>
+        <p:txBody>
+          <a:bodyPr wrap="none" rtlCol="0">
+            <a:spAutoFit/>
+          </a:bodyPr>
+          <a:lstStyle/>
+          <a:p>
+            <a:r>
+              <a:rPr kumimoji="1" lang="en-US" altLang="ja-JP" sz="1100" dirty="0"/>
+              <a:t>SDK</a:t>
+            </a:r>
+            <a:r>
+              <a:rPr kumimoji="1" lang="ja-JP" altLang="en-US" sz="1100"/>
+              <a:t>を使用したアクセス</a:t>
+            </a:r>
+          </a:p>
+        </p:txBody>
+      </p:sp>
+      <p:sp>
+        <p:nvSpPr>
+          <p:cNvPr id="63" name="テキスト ボックス 62">
+            <a:extLst>
+              <a:ext uri="{FF2B5EF4-FFF2-40B4-BE49-F238E27FC236}">
+                <a16:creationId xmlns:a16="http://schemas.microsoft.com/office/drawing/2014/main" id="{CC63A228-EF0F-B605-F9D9-6F4D3E25B105}"/>
+              </a:ext>
+            </a:extLst>
+          </p:cNvPr>
+          <p:cNvSpPr txBox="1"/>
+          <p:nvPr/>
+        </p:nvSpPr>
+        <p:spPr>
+          <a:xfrm>
+            <a:off x="2240154" y="2686222"/>
+            <a:ext cx="1031051" cy="430887"/>
+          </a:xfrm>
+          <a:prstGeom prst="rect">
+            <a:avLst/>
+          </a:prstGeom>
+          <a:noFill/>
+        </p:spPr>
+        <p:txBody>
+          <a:bodyPr wrap="none" rtlCol="0">
+            <a:spAutoFit/>
+          </a:bodyPr>
+          <a:lstStyle/>
+          <a:p>
+            <a:r>
+              <a:rPr kumimoji="1" lang="en-US" altLang="ja-JP" sz="1100" dirty="0"/>
+              <a:t>API</a:t>
+            </a:r>
+            <a:r>
+              <a:rPr kumimoji="1" lang="ja-JP" altLang="en-US" sz="1100"/>
+              <a:t>への</a:t>
+            </a:r>
+            <a:endParaRPr kumimoji="1" lang="en-US" altLang="ja-JP" sz="1100" dirty="0"/>
+          </a:p>
+          <a:p>
+            <a:r>
+              <a:rPr lang="ja-JP" altLang="en-US" sz="1100"/>
+              <a:t>直接アクセス</a:t>
+            </a:r>
+            <a:endParaRPr kumimoji="1" lang="ja-JP" altLang="en-US" sz="1100"/>
+          </a:p>
+        </p:txBody>
+      </p:sp>
+    </p:spTree>
+    <p:extLst>
+      <p:ext uri="{BB962C8B-B14F-4D97-AF65-F5344CB8AC3E}">
+        <p14:creationId xmlns:p14="http://schemas.microsoft.com/office/powerpoint/2010/main" val="1303941574"/>
+      </p:ext>
+    </p:extLst>
+  </p:cSld>
+  <p:clrMapOvr>
+    <a:masterClrMapping/>
+  </p:clrMapOvr>
+</p:sld>
+</file>
+
 <file path=ppt/theme/theme1.xml><?xml version="1.0" encoding="utf-8"?>
 <a:theme xmlns:a="http://schemas.openxmlformats.org/drawingml/2006/main" name="Office テーマ">
   <a:themeElements>
